--- a/BigData/labwork1/Presentation.pptx
+++ b/BigData/labwork1/Presentation.pptx
@@ -201,7 +201,7 @@
           <a:p>
             <a:fld id="{355529D8-29D3-4EF8-AFE4-9B04C334D78A}" type="datetimeFigureOut">
               <a:rPr lang="en-US" smtClean="0"/>
-              <a:t>3/19/2025</a:t>
+              <a:t>3/21/2025</a:t>
             </a:fld>
             <a:endParaRPr lang="en-US" dirty="0"/>
           </a:p>
@@ -608,7 +608,7 @@
           <a:p>
             <a:fld id="{B9EF805B-254D-4FE1-8316-FEA92B4B8253}" type="datetimeFigureOut">
               <a:rPr lang="en-US" smtClean="0"/>
-              <a:t>3/19/2025</a:t>
+              <a:t>3/21/2025</a:t>
             </a:fld>
             <a:endParaRPr lang="en-US"/>
           </a:p>
@@ -39707,26 +39707,6 @@
           </a:bodyPr>
           <a:lstStyle/>
           <a:p>
-            <a:r>
-              <a:rPr lang="ru-RU" altLang="zh-CN" dirty="0"/>
-              <a:t>Метрика</a:t>
-            </a:r>
-            <a:r>
-              <a:rPr lang="en-US" altLang="zh-CN" dirty="0"/>
-              <a:t>:</a:t>
-            </a:r>
-            <a:r>
-              <a:rPr lang="ru-RU" altLang="zh-CN" dirty="0"/>
-              <a:t> Точность</a:t>
-            </a:r>
-            <a:r>
-              <a:rPr lang="en-US" altLang="zh-CN" dirty="0"/>
-              <a:t>(Accuracy)</a:t>
-            </a:r>
-            <a:r>
-              <a:rPr lang="ru-RU" altLang="zh-CN" dirty="0"/>
-              <a:t> – процент правильно предсказанных классов</a:t>
-            </a:r>
             <a:endParaRPr lang="zh-CN" altLang="en-US" dirty="0"/>
           </a:p>
         </p:txBody>
@@ -40102,8 +40082,12 @@
           <a:lstStyle/>
           <a:p>
             <a:r>
+              <a:rPr lang="ru-RU" altLang="zh-CN" dirty="0"/>
+              <a:t>Точность(</a:t>
+            </a:r>
+            <a:r>
               <a:rPr lang="en-US" altLang="zh-CN" dirty="0"/>
-              <a:t>Financial Goals</a:t>
+              <a:t>Accuracy)</a:t>
             </a:r>
             <a:endParaRPr lang="zh-CN" altLang="en-US" dirty="0"/>
           </a:p>
@@ -40136,9 +40120,26 @@
           <a:lstStyle/>
           <a:p>
             <a:r>
-              <a:rPr lang="en-US" dirty="0"/>
-              <a:t>These are objectives that guide budgeting, such as saving for a house or retirement.</a:t>
-            </a:r>
+              <a:rPr lang="ru-RU" altLang="zh-CN" dirty="0"/>
+              <a:t>Метрика</a:t>
+            </a:r>
+            <a:r>
+              <a:rPr lang="en-US" altLang="zh-CN" dirty="0"/>
+              <a:t>:</a:t>
+            </a:r>
+            <a:r>
+              <a:rPr lang="ru-RU" altLang="zh-CN" dirty="0"/>
+              <a:t> Точность</a:t>
+            </a:r>
+            <a:r>
+              <a:rPr lang="en-US" altLang="zh-CN" dirty="0"/>
+              <a:t>(Accuracy)</a:t>
+            </a:r>
+            <a:r>
+              <a:rPr lang="ru-RU" altLang="zh-CN" dirty="0"/>
+              <a:t> – процент правильно предсказанных классов</a:t>
+            </a:r>
+            <a:endParaRPr lang="zh-CN" altLang="en-US" dirty="0"/>
           </a:p>
         </p:txBody>
       </p:sp>
@@ -40172,36 +40173,6 @@
           </a:p>
         </p:txBody>
       </p:sp>
-      <p:pic>
-        <p:nvPicPr>
-          <p:cNvPr id="13" name="Рисунок 12">
-            <a:extLst>
-              <a:ext uri="{FF2B5EF4-FFF2-40B4-BE49-F238E27FC236}">
-                <a16:creationId xmlns:a16="http://schemas.microsoft.com/office/drawing/2014/main" id="{055EBCAD-505D-D7CC-B128-DB215E8D25AF}"/>
-              </a:ext>
-            </a:extLst>
-          </p:cNvPr>
-          <p:cNvPicPr>
-            <a:picLocks noChangeAspect="1"/>
-          </p:cNvPicPr>
-          <p:nvPr/>
-        </p:nvPicPr>
-        <p:blipFill>
-          <a:blip r:embed="rId2"/>
-          <a:stretch>
-            <a:fillRect/>
-          </a:stretch>
-        </p:blipFill>
-        <p:spPr>
-          <a:xfrm>
-            <a:off x="6356223" y="4759965"/>
-            <a:ext cx="4362450" cy="885825"/>
-          </a:xfrm>
-          <a:prstGeom prst="rect">
-            <a:avLst/>
-          </a:prstGeom>
-        </p:spPr>
-      </p:pic>
     </p:spTree>
     <p:extLst>
       <p:ext uri="{BB962C8B-B14F-4D97-AF65-F5344CB8AC3E}">
@@ -42854,12 +42825,8 @@
           <a:lstStyle/>
           <a:p>
             <a:r>
-              <a:rPr lang="ru-RU" altLang="zh-CN" dirty="0" err="1"/>
-              <a:t>Многоклассовая</a:t>
-            </a:r>
-            <a:r>
               <a:rPr lang="ru-RU" altLang="zh-CN" dirty="0"/>
-              <a:t> классификация</a:t>
+              <a:t>Прост в настройке</a:t>
             </a:r>
             <a:endParaRPr lang="en-US" altLang="zh-CN" dirty="0"/>
           </a:p>
@@ -43219,8 +43186,12 @@
           <a:lstStyle/>
           <a:p>
             <a:r>
+              <a:rPr lang="ru-RU" altLang="zh-CN" u="sng" dirty="0"/>
+              <a:t>Для бинарной классификации</a:t>
+            </a:r>
+            <a:r>
               <a:rPr lang="ru-RU" altLang="zh-CN" dirty="0"/>
-              <a:t>Для бинарной классификации(одобрено</a:t>
+              <a:t>(одобрено</a:t>
             </a:r>
             <a:r>
               <a:rPr lang="en-US" altLang="zh-CN" dirty="0"/>
@@ -44383,6 +44354,15 @@
 </file>
 
 <file path=customXml/item1.xml><?xml version="1.0" encoding="utf-8"?>
+<?mso-contentType ?>
+<FormTemplates xmlns="http://schemas.microsoft.com/sharepoint/v3/contenttype/forms">
+  <Display>DocumentLibraryForm</Display>
+  <Edit>DocumentLibraryForm</Edit>
+  <New>DocumentLibraryForm</New>
+</FormTemplates>
+</file>
+
+<file path=customXml/item2.xml><?xml version="1.0" encoding="utf-8"?>
 <ct:contentTypeSchema xmlns:ct="http://schemas.microsoft.com/office/2006/metadata/contentType" xmlns:ma="http://schemas.microsoft.com/office/2006/metadata/properties/metaAttributes" ct:_="" ma:_="" ma:contentTypeName="Document" ma:contentTypeID="0x0101001867FBBEFD40724CA20725D6B3094130" ma:contentTypeVersion="14" ma:contentTypeDescription="Create a new document." ma:contentTypeScope="" ma:versionID="b563ecc397a77cd5d82b22a852f9d63c">
   <xsd:schema xmlns:xsd="http://www.w3.org/2001/XMLSchema" xmlns:xs="http://www.w3.org/2001/XMLSchema" xmlns:p="http://schemas.microsoft.com/office/2006/metadata/properties" xmlns:ns1="http://schemas.microsoft.com/sharepoint/v3" xmlns:ns2="21705155-b4ce-4c69-95dc-4fd6cb8c5571" xmlns:ns3="38de0ec0-4312-429b-9ba4-a6f7899b86f2" targetNamespace="http://schemas.microsoft.com/office/2006/metadata/properties" ma:root="true" ma:fieldsID="514fef1a96c1431b584933149cb0dc9f" ns1:_="" ns2:_="" ns3:_="">
     <xsd:import namespace="http://schemas.microsoft.com/sharepoint/v3"/>
@@ -44600,15 +44580,6 @@
 </ct:contentTypeSchema>
 </file>
 
-<file path=customXml/item2.xml><?xml version="1.0" encoding="utf-8"?>
-<?mso-contentType ?>
-<FormTemplates xmlns="http://schemas.microsoft.com/sharepoint/v3/contenttype/forms">
-  <Display>DocumentLibraryForm</Display>
-  <Edit>DocumentLibraryForm</Edit>
-  <New>DocumentLibraryForm</New>
-</FormTemplates>
-</file>
-
 <file path=customXml/item3.xml><?xml version="1.0" encoding="utf-8"?>
 <p:properties xmlns:p="http://schemas.microsoft.com/office/2006/metadata/properties" xmlns:xsi="http://www.w3.org/2001/XMLSchema-instance" xmlns:pc="http://schemas.microsoft.com/office/infopath/2007/PartnerControls">
   <documentManagement>
@@ -44623,6 +44594,14 @@
 </file>
 
 <file path=customXml/itemProps1.xml><?xml version="1.0" encoding="utf-8"?>
+<ds:datastoreItem xmlns:ds="http://schemas.openxmlformats.org/officeDocument/2006/customXml" ds:itemID="{FC09CA36-217E-44A9-8C48-2D0E3203A494}">
+  <ds:schemaRefs>
+    <ds:schemaRef ds:uri="http://schemas.microsoft.com/sharepoint/v3/contenttype/forms"/>
+  </ds:schemaRefs>
+</ds:datastoreItem>
+</file>
+
+<file path=customXml/itemProps2.xml><?xml version="1.0" encoding="utf-8"?>
 <ds:datastoreItem xmlns:ds="http://schemas.openxmlformats.org/officeDocument/2006/customXml" ds:itemID="{C55E0DC9-32A2-412B-BBED-98FD58D61FEC}">
   <ds:schemaRefs>
     <ds:schemaRef ds:uri="http://schemas.microsoft.com/office/2006/metadata/contentType"/>
@@ -44642,14 +44621,6 @@
 </ds:datastoreItem>
 </file>
 
-<file path=customXml/itemProps2.xml><?xml version="1.0" encoding="utf-8"?>
-<ds:datastoreItem xmlns:ds="http://schemas.openxmlformats.org/officeDocument/2006/customXml" ds:itemID="{FC09CA36-217E-44A9-8C48-2D0E3203A494}">
-  <ds:schemaRefs>
-    <ds:schemaRef ds:uri="http://schemas.microsoft.com/sharepoint/v3/contenttype/forms"/>
-  </ds:schemaRefs>
-</ds:datastoreItem>
-</file>
-
 <file path=customXml/itemProps3.xml><?xml version="1.0" encoding="utf-8"?>
 <ds:datastoreItem xmlns:ds="http://schemas.openxmlformats.org/officeDocument/2006/customXml" ds:itemID="{B2A1FBFC-04F0-4094-926E-15D44DB73A00}">
   <ds:schemaRefs>
